--- a/ActiveMQ.pptx
+++ b/ActiveMQ.pptx
@@ -5,25 +5,26 @@
     <p:sldMasterId id="2147483648" r:id="rId1"/>
   </p:sldMasterIdLst>
   <p:notesMasterIdLst>
-    <p:notesMasterId r:id="rId18"/>
+    <p:notesMasterId r:id="rId19"/>
   </p:notesMasterIdLst>
   <p:sldIdLst>
     <p:sldId id="256" r:id="rId2"/>
     <p:sldId id="257" r:id="rId3"/>
-    <p:sldId id="265" r:id="rId4"/>
-    <p:sldId id="266" r:id="rId5"/>
-    <p:sldId id="258" r:id="rId6"/>
-    <p:sldId id="259" r:id="rId7"/>
-    <p:sldId id="260" r:id="rId8"/>
-    <p:sldId id="261" r:id="rId9"/>
-    <p:sldId id="263" r:id="rId10"/>
-    <p:sldId id="262" r:id="rId11"/>
-    <p:sldId id="264" r:id="rId12"/>
-    <p:sldId id="270" r:id="rId13"/>
-    <p:sldId id="271" r:id="rId14"/>
-    <p:sldId id="267" r:id="rId15"/>
-    <p:sldId id="268" r:id="rId16"/>
-    <p:sldId id="269" r:id="rId17"/>
+    <p:sldId id="272" r:id="rId4"/>
+    <p:sldId id="265" r:id="rId5"/>
+    <p:sldId id="266" r:id="rId6"/>
+    <p:sldId id="258" r:id="rId7"/>
+    <p:sldId id="259" r:id="rId8"/>
+    <p:sldId id="260" r:id="rId9"/>
+    <p:sldId id="261" r:id="rId10"/>
+    <p:sldId id="263" r:id="rId11"/>
+    <p:sldId id="262" r:id="rId12"/>
+    <p:sldId id="264" r:id="rId13"/>
+    <p:sldId id="270" r:id="rId14"/>
+    <p:sldId id="271" r:id="rId15"/>
+    <p:sldId id="267" r:id="rId16"/>
+    <p:sldId id="268" r:id="rId17"/>
+    <p:sldId id="269" r:id="rId18"/>
   </p:sldIdLst>
   <p:sldSz cx="12192000" cy="6858000"/>
   <p:notesSz cx="6858000" cy="9144000"/>
@@ -212,7 +213,7 @@
           <a:p>
             <a:fld id="{870CF5B3-2C6D-4586-B222-4C93306B5303}" type="datetimeFigureOut">
               <a:rPr lang="en-US" smtClean="0"/>
-              <a:t>9/11/2019</a:t>
+              <a:t>9/19/2019</a:t>
             </a:fld>
             <a:endParaRPr lang="en-US"/>
           </a:p>
@@ -626,7 +627,7 @@
           <a:p>
             <a:fld id="{378F6631-A08A-4ECA-BC4E-9604DB66F74A}" type="datetimeFigureOut">
               <a:rPr lang="en-US" smtClean="0"/>
-              <a:t>9/11/2019</a:t>
+              <a:t>9/19/2019</a:t>
             </a:fld>
             <a:endParaRPr lang="en-US"/>
           </a:p>
@@ -824,7 +825,7 @@
           <a:p>
             <a:fld id="{378F6631-A08A-4ECA-BC4E-9604DB66F74A}" type="datetimeFigureOut">
               <a:rPr lang="en-US" smtClean="0"/>
-              <a:t>9/11/2019</a:t>
+              <a:t>9/19/2019</a:t>
             </a:fld>
             <a:endParaRPr lang="en-US"/>
           </a:p>
@@ -1032,7 +1033,7 @@
           <a:p>
             <a:fld id="{378F6631-A08A-4ECA-BC4E-9604DB66F74A}" type="datetimeFigureOut">
               <a:rPr lang="en-US" smtClean="0"/>
-              <a:t>9/11/2019</a:t>
+              <a:t>9/19/2019</a:t>
             </a:fld>
             <a:endParaRPr lang="en-US"/>
           </a:p>
@@ -1230,7 +1231,7 @@
           <a:p>
             <a:fld id="{378F6631-A08A-4ECA-BC4E-9604DB66F74A}" type="datetimeFigureOut">
               <a:rPr lang="en-US" smtClean="0"/>
-              <a:t>9/11/2019</a:t>
+              <a:t>9/19/2019</a:t>
             </a:fld>
             <a:endParaRPr lang="en-US"/>
           </a:p>
@@ -1505,7 +1506,7 @@
           <a:p>
             <a:fld id="{378F6631-A08A-4ECA-BC4E-9604DB66F74A}" type="datetimeFigureOut">
               <a:rPr lang="en-US" smtClean="0"/>
-              <a:t>9/11/2019</a:t>
+              <a:t>9/19/2019</a:t>
             </a:fld>
             <a:endParaRPr lang="en-US"/>
           </a:p>
@@ -1770,7 +1771,7 @@
           <a:p>
             <a:fld id="{378F6631-A08A-4ECA-BC4E-9604DB66F74A}" type="datetimeFigureOut">
               <a:rPr lang="en-US" smtClean="0"/>
-              <a:t>9/11/2019</a:t>
+              <a:t>9/19/2019</a:t>
             </a:fld>
             <a:endParaRPr lang="en-US"/>
           </a:p>
@@ -2182,7 +2183,7 @@
           <a:p>
             <a:fld id="{378F6631-A08A-4ECA-BC4E-9604DB66F74A}" type="datetimeFigureOut">
               <a:rPr lang="en-US" smtClean="0"/>
-              <a:t>9/11/2019</a:t>
+              <a:t>9/19/2019</a:t>
             </a:fld>
             <a:endParaRPr lang="en-US"/>
           </a:p>
@@ -2323,7 +2324,7 @@
           <a:p>
             <a:fld id="{378F6631-A08A-4ECA-BC4E-9604DB66F74A}" type="datetimeFigureOut">
               <a:rPr lang="en-US" smtClean="0"/>
-              <a:t>9/11/2019</a:t>
+              <a:t>9/19/2019</a:t>
             </a:fld>
             <a:endParaRPr lang="en-US"/>
           </a:p>
@@ -2436,7 +2437,7 @@
           <a:p>
             <a:fld id="{378F6631-A08A-4ECA-BC4E-9604DB66F74A}" type="datetimeFigureOut">
               <a:rPr lang="en-US" smtClean="0"/>
-              <a:t>9/11/2019</a:t>
+              <a:t>9/19/2019</a:t>
             </a:fld>
             <a:endParaRPr lang="en-US"/>
           </a:p>
@@ -2747,7 +2748,7 @@
           <a:p>
             <a:fld id="{378F6631-A08A-4ECA-BC4E-9604DB66F74A}" type="datetimeFigureOut">
               <a:rPr lang="en-US" smtClean="0"/>
-              <a:t>9/11/2019</a:t>
+              <a:t>9/19/2019</a:t>
             </a:fld>
             <a:endParaRPr lang="en-US"/>
           </a:p>
@@ -3035,7 +3036,7 @@
           <a:p>
             <a:fld id="{378F6631-A08A-4ECA-BC4E-9604DB66F74A}" type="datetimeFigureOut">
               <a:rPr lang="en-US" smtClean="0"/>
-              <a:t>9/11/2019</a:t>
+              <a:t>9/19/2019</a:t>
             </a:fld>
             <a:endParaRPr lang="en-US"/>
           </a:p>
@@ -3276,7 +3277,7 @@
           <a:p>
             <a:fld id="{378F6631-A08A-4ECA-BC4E-9604DB66F74A}" type="datetimeFigureOut">
               <a:rPr lang="en-US" smtClean="0"/>
-              <a:t>9/11/2019</a:t>
+              <a:t>9/19/2019</a:t>
             </a:fld>
             <a:endParaRPr lang="en-US"/>
           </a:p>
@@ -4285,7 +4286,7 @@
           <p:cNvPr id="4" name="Content Placeholder 3">
             <a:extLst>
               <a:ext uri="{FF2B5EF4-FFF2-40B4-BE49-F238E27FC236}">
-                <a16:creationId xmlns:a16="http://schemas.microsoft.com/office/drawing/2014/main" id="{97B39ED3-984E-456B-99A2-30367D2A29CD}"/>
+                <a16:creationId xmlns:a16="http://schemas.microsoft.com/office/drawing/2014/main" id="{2939187E-9F4B-4F17-ACA7-31C7978B3E6D}"/>
               </a:ext>
             </a:extLst>
           </p:cNvPr>
@@ -4298,13 +4299,13 @@
         </p:nvPicPr>
         <p:blipFill rotWithShape="1">
           <a:blip r:embed="rId2"/>
-          <a:srcRect r="13333" b="-1"/>
+          <a:srcRect l="5873" r="7460" b="-1"/>
           <a:stretch/>
         </p:blipFill>
         <p:spPr>
           <a:xfrm>
-            <a:off x="1143970" y="643466"/>
-            <a:ext cx="9904060" cy="5571067"/>
+            <a:off x="1143968" y="643466"/>
+            <a:ext cx="9904063" cy="5571067"/>
           </a:xfrm>
           <a:prstGeom prst="rect">
             <a:avLst/>
@@ -4314,7 +4315,7 @@
     </p:spTree>
     <p:extLst>
       <p:ext uri="{BB962C8B-B14F-4D97-AF65-F5344CB8AC3E}">
-        <p14:creationId xmlns:p14="http://schemas.microsoft.com/office/powerpoint/2010/main" val="1187886734"/>
+        <p14:creationId xmlns:p14="http://schemas.microsoft.com/office/powerpoint/2010/main" val="3447994719"/>
       </p:ext>
     </p:extLst>
   </p:cSld>
@@ -4354,6 +4355,75 @@
           <p:cNvPr id="4" name="Content Placeholder 3">
             <a:extLst>
               <a:ext uri="{FF2B5EF4-FFF2-40B4-BE49-F238E27FC236}">
+                <a16:creationId xmlns:a16="http://schemas.microsoft.com/office/drawing/2014/main" id="{97B39ED3-984E-456B-99A2-30367D2A29CD}"/>
+              </a:ext>
+            </a:extLst>
+          </p:cNvPr>
+          <p:cNvPicPr>
+            <a:picLocks noGrp="1" noChangeAspect="1"/>
+          </p:cNvPicPr>
+          <p:nvPr>
+            <p:ph idx="1"/>
+          </p:nvPr>
+        </p:nvPicPr>
+        <p:blipFill rotWithShape="1">
+          <a:blip r:embed="rId2"/>
+          <a:srcRect r="13333" b="-1"/>
+          <a:stretch/>
+        </p:blipFill>
+        <p:spPr>
+          <a:xfrm>
+            <a:off x="1143970" y="643466"/>
+            <a:ext cx="9904060" cy="5571067"/>
+          </a:xfrm>
+          <a:prstGeom prst="rect">
+            <a:avLst/>
+          </a:prstGeom>
+        </p:spPr>
+      </p:pic>
+    </p:spTree>
+    <p:extLst>
+      <p:ext uri="{BB962C8B-B14F-4D97-AF65-F5344CB8AC3E}">
+        <p14:creationId xmlns:p14="http://schemas.microsoft.com/office/powerpoint/2010/main" val="1187886734"/>
+      </p:ext>
+    </p:extLst>
+  </p:cSld>
+  <p:clrMapOvr>
+    <a:masterClrMapping/>
+  </p:clrMapOvr>
+</p:sld>
+</file>
+
+<file path=ppt/slides/slide12.xml><?xml version="1.0" encoding="utf-8"?>
+<p:sld xmlns:a="http://schemas.openxmlformats.org/drawingml/2006/main" xmlns:r="http://schemas.openxmlformats.org/officeDocument/2006/relationships" xmlns:p="http://schemas.openxmlformats.org/presentationml/2006/main">
+  <p:cSld>
+    <p:bg>
+      <p:bgPr>
+        <a:solidFill>
+          <a:schemeClr val="bg1"/>
+        </a:solidFill>
+        <a:effectLst/>
+      </p:bgPr>
+    </p:bg>
+    <p:spTree>
+      <p:nvGrpSpPr>
+        <p:cNvPr id="1" name=""/>
+        <p:cNvGrpSpPr/>
+        <p:nvPr/>
+      </p:nvGrpSpPr>
+      <p:grpSpPr>
+        <a:xfrm>
+          <a:off x="0" y="0"/>
+          <a:ext cx="0" cy="0"/>
+          <a:chOff x="0" y="0"/>
+          <a:chExt cx="0" cy="0"/>
+        </a:xfrm>
+      </p:grpSpPr>
+      <p:pic>
+        <p:nvPicPr>
+          <p:cNvPr id="4" name="Content Placeholder 3">
+            <a:extLst>
+              <a:ext uri="{FF2B5EF4-FFF2-40B4-BE49-F238E27FC236}">
                 <a16:creationId xmlns:a16="http://schemas.microsoft.com/office/drawing/2014/main" id="{77EC658D-5819-4445-837A-A9BCEA70A2F1}"/>
               </a:ext>
             </a:extLst>
@@ -4394,7 +4464,7 @@
 </p:sld>
 </file>
 
-<file path=ppt/slides/slide12.xml><?xml version="1.0" encoding="utf-8"?>
+<file path=ppt/slides/slide13.xml><?xml version="1.0" encoding="utf-8"?>
 <p:sld xmlns:a="http://schemas.openxmlformats.org/drawingml/2006/main" xmlns:r="http://schemas.openxmlformats.org/officeDocument/2006/relationships" xmlns:p="http://schemas.openxmlformats.org/presentationml/2006/main">
   <p:cSld>
     <p:spTree>
@@ -4521,76 +4591,6 @@
     <p:extLst>
       <p:ext uri="{BB962C8B-B14F-4D97-AF65-F5344CB8AC3E}">
         <p14:creationId xmlns:p14="http://schemas.microsoft.com/office/powerpoint/2010/main" val="2571995486"/>
-      </p:ext>
-    </p:extLst>
-  </p:cSld>
-  <p:clrMapOvr>
-    <a:masterClrMapping/>
-  </p:clrMapOvr>
-</p:sld>
-</file>
-
-<file path=ppt/slides/slide13.xml><?xml version="1.0" encoding="utf-8"?>
-<p:sld xmlns:a="http://schemas.openxmlformats.org/drawingml/2006/main" xmlns:r="http://schemas.openxmlformats.org/officeDocument/2006/relationships" xmlns:p="http://schemas.openxmlformats.org/presentationml/2006/main">
-  <p:cSld>
-    <p:bg>
-      <p:bgPr>
-        <a:solidFill>
-          <a:schemeClr val="bg1"/>
-        </a:solidFill>
-        <a:effectLst/>
-      </p:bgPr>
-    </p:bg>
-    <p:spTree>
-      <p:nvGrpSpPr>
-        <p:cNvPr id="1" name=""/>
-        <p:cNvGrpSpPr/>
-        <p:nvPr/>
-      </p:nvGrpSpPr>
-      <p:grpSpPr>
-        <a:xfrm>
-          <a:off x="0" y="0"/>
-          <a:ext cx="0" cy="0"/>
-          <a:chOff x="0" y="0"/>
-          <a:chExt cx="0" cy="0"/>
-        </a:xfrm>
-      </p:grpSpPr>
-      <p:pic>
-        <p:nvPicPr>
-          <p:cNvPr id="4" name="Content Placeholder 3">
-            <a:extLst>
-              <a:ext uri="{FF2B5EF4-FFF2-40B4-BE49-F238E27FC236}">
-                <a16:creationId xmlns:a16="http://schemas.microsoft.com/office/drawing/2014/main" id="{44BF65B0-EEB0-43BC-A0C2-65A33C01EDA7}"/>
-              </a:ext>
-            </a:extLst>
-          </p:cNvPr>
-          <p:cNvPicPr>
-            <a:picLocks noGrp="1" noChangeAspect="1"/>
-          </p:cNvPicPr>
-          <p:nvPr>
-            <p:ph idx="1"/>
-          </p:nvPr>
-        </p:nvPicPr>
-        <p:blipFill>
-          <a:blip r:embed="rId2"/>
-          <a:stretch>
-            <a:fillRect/>
-          </a:stretch>
-        </p:blipFill>
-        <p:spPr>
-          <a:xfrm>
-            <a:off x="1209099" y="643466"/>
-            <a:ext cx="9773802" cy="5571067"/>
-          </a:xfrm>
-          <a:prstGeom prst="rect">
-            <a:avLst/>
-          </a:prstGeom>
-        </p:spPr>
-      </p:pic>
-    </p:spTree>
-    <p:extLst>
-      <p:ext uri="{BB962C8B-B14F-4D97-AF65-F5344CB8AC3E}">
-        <p14:creationId xmlns:p14="http://schemas.microsoft.com/office/powerpoint/2010/main" val="3087474611"/>
       </p:ext>
     </p:extLst>
   </p:cSld>
@@ -4627,6 +4627,76 @@
       </p:grpSpPr>
       <p:pic>
         <p:nvPicPr>
+          <p:cNvPr id="4" name="Content Placeholder 3">
+            <a:extLst>
+              <a:ext uri="{FF2B5EF4-FFF2-40B4-BE49-F238E27FC236}">
+                <a16:creationId xmlns:a16="http://schemas.microsoft.com/office/drawing/2014/main" id="{44BF65B0-EEB0-43BC-A0C2-65A33C01EDA7}"/>
+              </a:ext>
+            </a:extLst>
+          </p:cNvPr>
+          <p:cNvPicPr>
+            <a:picLocks noGrp="1" noChangeAspect="1"/>
+          </p:cNvPicPr>
+          <p:nvPr>
+            <p:ph idx="1"/>
+          </p:nvPr>
+        </p:nvPicPr>
+        <p:blipFill>
+          <a:blip r:embed="rId2"/>
+          <a:stretch>
+            <a:fillRect/>
+          </a:stretch>
+        </p:blipFill>
+        <p:spPr>
+          <a:xfrm>
+            <a:off x="1209099" y="643466"/>
+            <a:ext cx="9773802" cy="5571067"/>
+          </a:xfrm>
+          <a:prstGeom prst="rect">
+            <a:avLst/>
+          </a:prstGeom>
+        </p:spPr>
+      </p:pic>
+    </p:spTree>
+    <p:extLst>
+      <p:ext uri="{BB962C8B-B14F-4D97-AF65-F5344CB8AC3E}">
+        <p14:creationId xmlns:p14="http://schemas.microsoft.com/office/powerpoint/2010/main" val="3087474611"/>
+      </p:ext>
+    </p:extLst>
+  </p:cSld>
+  <p:clrMapOvr>
+    <a:masterClrMapping/>
+  </p:clrMapOvr>
+</p:sld>
+</file>
+
+<file path=ppt/slides/slide15.xml><?xml version="1.0" encoding="utf-8"?>
+<p:sld xmlns:a="http://schemas.openxmlformats.org/drawingml/2006/main" xmlns:r="http://schemas.openxmlformats.org/officeDocument/2006/relationships" xmlns:p="http://schemas.openxmlformats.org/presentationml/2006/main">
+  <p:cSld>
+    <p:bg>
+      <p:bgPr>
+        <a:solidFill>
+          <a:schemeClr val="bg1"/>
+        </a:solidFill>
+        <a:effectLst/>
+      </p:bgPr>
+    </p:bg>
+    <p:spTree>
+      <p:nvGrpSpPr>
+        <p:cNvPr id="1" name=""/>
+        <p:cNvGrpSpPr/>
+        <p:nvPr/>
+      </p:nvGrpSpPr>
+      <p:grpSpPr>
+        <a:xfrm>
+          <a:off x="0" y="0"/>
+          <a:ext cx="0" cy="0"/>
+          <a:chOff x="0" y="0"/>
+          <a:chExt cx="0" cy="0"/>
+        </a:xfrm>
+      </p:grpSpPr>
+      <p:pic>
+        <p:nvPicPr>
           <p:cNvPr id="4" name="Content Placeholder 3" descr="A picture containing text, map&#10;&#10;Description automatically generated">
             <a:extLst>
               <a:ext uri="{FF2B5EF4-FFF2-40B4-BE49-F238E27FC236}">
@@ -4669,7 +4739,7 @@
 </p:sld>
 </file>
 
-<file path=ppt/slides/slide15.xml><?xml version="1.0" encoding="utf-8"?>
+<file path=ppt/slides/slide16.xml><?xml version="1.0" encoding="utf-8"?>
 <p:sld xmlns:a="http://schemas.openxmlformats.org/drawingml/2006/main" xmlns:r="http://schemas.openxmlformats.org/officeDocument/2006/relationships" xmlns:p="http://schemas.openxmlformats.org/presentationml/2006/main">
   <p:cSld>
     <p:bg>
@@ -4872,7 +4942,7 @@
 </p:sld>
 </file>
 
-<file path=ppt/slides/slide16.xml><?xml version="1.0" encoding="utf-8"?>
+<file path=ppt/slides/slide17.xml><?xml version="1.0" encoding="utf-8"?>
 <p:sld xmlns:a="http://schemas.openxmlformats.org/drawingml/2006/main" xmlns:r="http://schemas.openxmlformats.org/officeDocument/2006/relationships" xmlns:p="http://schemas.openxmlformats.org/presentationml/2006/main">
   <p:cSld>
     <p:bg>
@@ -5357,7 +5427,7 @@
           <p:cNvPr id="2" name="Title 1">
             <a:extLst>
               <a:ext uri="{FF2B5EF4-FFF2-40B4-BE49-F238E27FC236}">
-                <a16:creationId xmlns:a16="http://schemas.microsoft.com/office/drawing/2014/main" id="{CA6D49B8-46A4-4F89-9A24-10EFD5465DDD}"/>
+                <a16:creationId xmlns:a16="http://schemas.microsoft.com/office/drawing/2014/main" id="{D2D44B30-810A-43AC-BCE4-842B8F41CB06}"/>
               </a:ext>
             </a:extLst>
           </p:cNvPr>
@@ -5373,160 +5443,125 @@
           <a:bodyPr/>
           <a:lstStyle/>
           <a:p>
+            <a:endParaRPr lang="en-US"/>
+          </a:p>
+        </p:txBody>
+      </p:sp>
+      <p:sp>
+        <p:nvSpPr>
+          <p:cNvPr id="4" name="AutoShape 2" descr="http://5b0988e595225.cdn.sohucs.com/images/20180131/126752ebe0454aefb0ba9228335cf1b0.jpeg">
+            <a:extLst>
+              <a:ext uri="{FF2B5EF4-FFF2-40B4-BE49-F238E27FC236}">
+                <a16:creationId xmlns:a16="http://schemas.microsoft.com/office/drawing/2014/main" id="{97FD7C00-2A57-4601-89D6-BE48F45F4BD8}"/>
+              </a:ext>
+            </a:extLst>
+          </p:cNvPr>
+          <p:cNvSpPr>
+            <a:spLocks noChangeAspect="1" noChangeArrowheads="1"/>
+          </p:cNvSpPr>
+          <p:nvPr/>
+        </p:nvSpPr>
+        <p:spPr bwMode="auto">
+          <a:xfrm>
+            <a:off x="5943600" y="3276600"/>
+            <a:ext cx="304800" cy="304800"/>
+          </a:xfrm>
+          <a:prstGeom prst="rect">
+            <a:avLst/>
+          </a:prstGeom>
+          <a:noFill/>
+          <a:extLst>
+            <a:ext uri="{909E8E84-426E-40DD-AFC4-6F175D3DCCD1}">
+              <a14:hiddenFill xmlns:a14="http://schemas.microsoft.com/office/drawing/2010/main">
+                <a:solidFill>
+                  <a:srgbClr val="FFFFFF"/>
+                </a:solidFill>
+              </a14:hiddenFill>
+            </a:ext>
+          </a:extLst>
+        </p:spPr>
+        <p:txBody>
+          <a:bodyPr vert="horz" wrap="square" lIns="91440" tIns="45720" rIns="91440" bIns="45720" numCol="1" anchor="t" anchorCtr="0" compatLnSpc="1">
+            <a:prstTxWarp prst="textNoShape">
+              <a:avLst/>
+            </a:prstTxWarp>
+          </a:bodyPr>
+          <a:lstStyle/>
+          <a:p>
+            <a:endParaRPr lang="en-US"/>
+          </a:p>
+        </p:txBody>
+      </p:sp>
+      <p:pic>
+        <p:nvPicPr>
+          <p:cNvPr id="6" name="Content Placeholder 5">
+            <a:extLst>
+              <a:ext uri="{FF2B5EF4-FFF2-40B4-BE49-F238E27FC236}">
+                <a16:creationId xmlns:a16="http://schemas.microsoft.com/office/drawing/2014/main" id="{D7DA5BB5-EAC8-4A33-A558-FE36BE90CDCA}"/>
+              </a:ext>
+            </a:extLst>
+          </p:cNvPr>
+          <p:cNvPicPr>
+            <a:picLocks noGrp="1" noChangeAspect="1"/>
+          </p:cNvPicPr>
+          <p:nvPr>
+            <p:ph idx="1"/>
+          </p:nvPr>
+        </p:nvPicPr>
+        <p:blipFill>
+          <a:blip r:embed="rId2"/>
+          <a:stretch>
+            <a:fillRect/>
+          </a:stretch>
+        </p:blipFill>
+        <p:spPr>
+          <a:xfrm>
+            <a:off x="6096000" y="1746173"/>
+            <a:ext cx="4734757" cy="3500997"/>
+          </a:xfrm>
+          <a:prstGeom prst="rect">
+            <a:avLst/>
+          </a:prstGeom>
+        </p:spPr>
+      </p:pic>
+      <p:sp>
+        <p:nvSpPr>
+          <p:cNvPr id="7" name="Rectangle 6">
+            <a:extLst>
+              <a:ext uri="{FF2B5EF4-FFF2-40B4-BE49-F238E27FC236}">
+                <a16:creationId xmlns:a16="http://schemas.microsoft.com/office/drawing/2014/main" id="{858E6585-740B-4558-A8C3-8E097833D8D3}"/>
+              </a:ext>
+            </a:extLst>
+          </p:cNvPr>
+          <p:cNvSpPr/>
+          <p:nvPr/>
+        </p:nvSpPr>
+        <p:spPr>
+          <a:xfrm>
+            <a:off x="887813" y="1690688"/>
+            <a:ext cx="4465422" cy="2862322"/>
+          </a:xfrm>
+          <a:prstGeom prst="rect">
+            <a:avLst/>
+          </a:prstGeom>
+        </p:spPr>
+        <p:txBody>
+          <a:bodyPr wrap="square">
+            <a:spAutoFit/>
+          </a:bodyPr>
+          <a:lstStyle/>
+          <a:p>
             <a:r>
               <a:rPr lang="en-US" dirty="0"/>
-              <a:t>A</a:t>
-            </a:r>
-            <a:r>
-              <a:rPr lang="en-US" altLang="zh-CN" dirty="0"/>
-              <a:t>ctiveMQ</a:t>
-            </a:r>
-            <a:r>
-              <a:rPr lang="zh-CN" altLang="en-US" dirty="0"/>
-              <a:t>的特性</a:t>
-            </a:r>
-            <a:endParaRPr lang="en-US" dirty="0"/>
-          </a:p>
-        </p:txBody>
-      </p:sp>
-      <p:sp>
-        <p:nvSpPr>
-          <p:cNvPr id="3" name="Content Placeholder 2">
-            <a:extLst>
-              <a:ext uri="{FF2B5EF4-FFF2-40B4-BE49-F238E27FC236}">
-                <a16:creationId xmlns:a16="http://schemas.microsoft.com/office/drawing/2014/main" id="{33C0123F-8522-4169-8AEF-9FD9584C20B8}"/>
-              </a:ext>
-            </a:extLst>
-          </p:cNvPr>
-          <p:cNvSpPr>
-            <a:spLocks noGrp="1"/>
-          </p:cNvSpPr>
-          <p:nvPr>
-            <p:ph idx="1"/>
-          </p:nvPr>
-        </p:nvSpPr>
-        <p:spPr/>
-        <p:txBody>
-          <a:bodyPr>
-            <a:normAutofit lnSpcReduction="10000"/>
-          </a:bodyPr>
-          <a:lstStyle/>
-          <a:p>
-            <a:r>
-              <a:rPr lang="en-US" altLang="zh-CN" dirty="0"/>
-              <a:t>Client</a:t>
-            </a:r>
-            <a:r>
-              <a:rPr lang="zh-CN" altLang="en-US" dirty="0"/>
-              <a:t>端支持多种语言：</a:t>
-            </a:r>
-            <a:endParaRPr lang="en-US" altLang="zh-CN" dirty="0"/>
-          </a:p>
-          <a:p>
-            <a:pPr marL="0" indent="0">
-              <a:buNone/>
-            </a:pPr>
+              <a:t>消息中间件其实诞生的概念很早，在互联网应用还是一片荒芜的年代，早在1983的时候，有个在美国的印度哥们Vivek Ranadive就设想了一种通用软件总线，采用发布订阅的模式，像主板上的总线一样供其他相应程序接入。他创办了一家公司Teknekron，世界上第一个现代消息队列软件The Information Bus(TIB)，</a:t>
+            </a:r>
+            <a:r>
+              <a:rPr lang="en-US" dirty="0" err="1"/>
+              <a:t>后来这家公司变成了目前依旧是收费EAI中间件的重要厂商Tibco</a:t>
+            </a:r>
             <a:r>
               <a:rPr lang="en-US" dirty="0"/>
-              <a:t>	Java</a:t>
-            </a:r>
-            <a:r>
-              <a:rPr lang="zh-CN" altLang="en-US" dirty="0"/>
-              <a:t>；</a:t>
-            </a:r>
-            <a:endParaRPr lang="en-US" altLang="zh-CN" dirty="0"/>
-          </a:p>
-          <a:p>
-            <a:pPr marL="0" indent="0">
-              <a:buNone/>
-            </a:pPr>
-            <a:r>
-              <a:rPr lang="en-US" dirty="0"/>
-              <a:t>	C</a:t>
-            </a:r>
-            <a:r>
-              <a:rPr lang="zh-CN" altLang="en-US" dirty="0"/>
-              <a:t>； </a:t>
-            </a:r>
-            <a:endParaRPr lang="en-US" altLang="zh-CN" dirty="0"/>
-          </a:p>
-          <a:p>
-            <a:pPr marL="0" indent="0">
-              <a:buNone/>
-            </a:pPr>
-            <a:r>
-              <a:rPr lang="en-US" dirty="0"/>
-              <a:t>	C++</a:t>
-            </a:r>
-            <a:r>
-              <a:rPr lang="zh-CN" altLang="en-US" dirty="0"/>
-              <a:t>；</a:t>
-            </a:r>
-            <a:endParaRPr lang="en-US" altLang="zh-CN" dirty="0"/>
-          </a:p>
-          <a:p>
-            <a:pPr marL="0" indent="0">
-              <a:buNone/>
-            </a:pPr>
-            <a:r>
-              <a:rPr lang="en-US" dirty="0"/>
-              <a:t>	C#</a:t>
-            </a:r>
-            <a:r>
-              <a:rPr lang="zh-CN" altLang="en-US" dirty="0"/>
-              <a:t>；</a:t>
-            </a:r>
-            <a:endParaRPr lang="en-US" altLang="zh-CN" dirty="0"/>
-          </a:p>
-          <a:p>
-            <a:pPr marL="0" indent="0">
-              <a:buNone/>
-            </a:pPr>
-            <a:r>
-              <a:rPr lang="en-US" dirty="0"/>
-              <a:t>	Ruby</a:t>
-            </a:r>
-            <a:r>
-              <a:rPr lang="zh-CN" altLang="en-US" dirty="0"/>
-              <a:t>；</a:t>
-            </a:r>
-            <a:endParaRPr lang="en-US" altLang="zh-CN" dirty="0"/>
-          </a:p>
-          <a:p>
-            <a:pPr marL="0" indent="0">
-              <a:buNone/>
-            </a:pPr>
-            <a:r>
-              <a:rPr lang="en-US" dirty="0"/>
-              <a:t>	Perl</a:t>
-            </a:r>
-            <a:r>
-              <a:rPr lang="zh-CN" altLang="en-US" dirty="0"/>
-              <a:t>；</a:t>
-            </a:r>
-            <a:endParaRPr lang="en-US" altLang="zh-CN" dirty="0"/>
-          </a:p>
-          <a:p>
-            <a:pPr marL="0" indent="0">
-              <a:buNone/>
-            </a:pPr>
-            <a:r>
-              <a:rPr lang="en-US" dirty="0"/>
-              <a:t>	Python</a:t>
-            </a:r>
-            <a:r>
-              <a:rPr lang="zh-CN" altLang="en-US" dirty="0"/>
-              <a:t>；</a:t>
-            </a:r>
-            <a:endParaRPr lang="en-US" altLang="zh-CN" dirty="0"/>
-          </a:p>
-          <a:p>
-            <a:pPr marL="0" indent="0">
-              <a:buNone/>
-            </a:pPr>
-            <a:r>
-              <a:rPr lang="en-US" dirty="0"/>
-              <a:t>	PHP</a:t>
+              <a:t>。</a:t>
             </a:r>
           </a:p>
         </p:txBody>
@@ -5534,7 +5569,7 @@
     </p:spTree>
     <p:extLst>
       <p:ext uri="{BB962C8B-B14F-4D97-AF65-F5344CB8AC3E}">
-        <p14:creationId xmlns:p14="http://schemas.microsoft.com/office/powerpoint/2010/main" val="34175470"/>
+        <p14:creationId xmlns:p14="http://schemas.microsoft.com/office/powerpoint/2010/main" val="1646286123"/>
       </p:ext>
     </p:extLst>
   </p:cSld>
@@ -5566,7 +5601,7 @@
           <p:cNvPr id="2" name="Title 1">
             <a:extLst>
               <a:ext uri="{FF2B5EF4-FFF2-40B4-BE49-F238E27FC236}">
-                <a16:creationId xmlns:a16="http://schemas.microsoft.com/office/drawing/2014/main" id="{8F8D12F9-5B6D-4B0C-898D-738ECD297B03}"/>
+                <a16:creationId xmlns:a16="http://schemas.microsoft.com/office/drawing/2014/main" id="{CA6D49B8-46A4-4F89-9A24-10EFD5465DDD}"/>
               </a:ext>
             </a:extLst>
           </p:cNvPr>
@@ -5583,8 +5618,16 @@
           <a:lstStyle/>
           <a:p>
             <a:r>
+              <a:rPr lang="en-US" dirty="0"/>
+              <a:t>A</a:t>
+            </a:r>
+            <a:r>
+              <a:rPr lang="en-US" altLang="zh-CN" dirty="0"/>
+              <a:t>ctiveMQ</a:t>
+            </a:r>
+            <a:r>
               <a:rPr lang="zh-CN" altLang="en-US" dirty="0"/>
-              <a:t>支持的协议</a:t>
+              <a:t>的特性</a:t>
             </a:r>
             <a:endParaRPr lang="en-US" dirty="0"/>
           </a:p>
@@ -5595,7 +5638,7 @@
           <p:cNvPr id="3" name="Content Placeholder 2">
             <a:extLst>
               <a:ext uri="{FF2B5EF4-FFF2-40B4-BE49-F238E27FC236}">
-                <a16:creationId xmlns:a16="http://schemas.microsoft.com/office/drawing/2014/main" id="{E7FEFE8E-7474-4A5E-B400-ADF16E089B48}"/>
+                <a16:creationId xmlns:a16="http://schemas.microsoft.com/office/drawing/2014/main" id="{33C0123F-8522-4169-8AEF-9FD9584C20B8}"/>
               </a:ext>
             </a:extLst>
           </p:cNvPr>
@@ -5614,48 +5657,42 @@
           <a:lstStyle/>
           <a:p>
             <a:r>
-              <a:rPr lang="en-US" dirty="0" err="1"/>
-              <a:t>O</a:t>
-            </a:r>
-            <a:r>
-              <a:rPr lang="en-US" altLang="zh-CN" dirty="0" err="1"/>
-              <a:t>penWire</a:t>
-            </a:r>
-            <a:r>
               <a:rPr lang="en-US" altLang="zh-CN" dirty="0"/>
-              <a:t> v2</a:t>
-            </a:r>
-            <a:endParaRPr lang="en-US" dirty="0"/>
+              <a:t>Client</a:t>
+            </a:r>
+            <a:r>
+              <a:rPr lang="zh-CN" altLang="en-US" dirty="0"/>
+              <a:t>端支持多种语言：</a:t>
+            </a:r>
+            <a:endParaRPr lang="en-US" altLang="zh-CN" dirty="0"/>
           </a:p>
           <a:p>
             <a:pPr marL="0" indent="0">
               <a:buNone/>
             </a:pPr>
             <a:r>
-              <a:rPr lang="en-US" dirty="0">
-                <a:hlinkClick r:id="rId2"/>
-              </a:rPr>
-              <a:t>http://activemq.apache.org/openwire-version-2-specification</a:t>
-            </a:r>
-            <a:endParaRPr lang="en-US" dirty="0"/>
-          </a:p>
-          <a:p>
-            <a:r>
               <a:rPr lang="en-US" dirty="0"/>
-              <a:t>Stomp v1.2</a:t>
-            </a:r>
+              <a:t>	Java</a:t>
+            </a:r>
+            <a:r>
+              <a:rPr lang="zh-CN" altLang="en-US" dirty="0"/>
+              <a:t>；</a:t>
+            </a:r>
+            <a:endParaRPr lang="en-US" altLang="zh-CN" dirty="0"/>
           </a:p>
           <a:p>
             <a:pPr marL="0" indent="0">
               <a:buNone/>
             </a:pPr>
             <a:r>
-              <a:rPr lang="en-US" dirty="0">
-                <a:hlinkClick r:id="rId3"/>
-              </a:rPr>
-              <a:t>http://stomp.github.io/stomp-specification-1.2.html</a:t>
-            </a:r>
-            <a:endParaRPr lang="en-US" dirty="0"/>
+              <a:rPr lang="en-US" dirty="0"/>
+              <a:t>	C</a:t>
+            </a:r>
+            <a:r>
+              <a:rPr lang="zh-CN" altLang="en-US" dirty="0"/>
+              <a:t>； </a:t>
+            </a:r>
+            <a:endParaRPr lang="en-US" altLang="zh-CN" dirty="0"/>
           </a:p>
           <a:p>
             <a:pPr marL="0" indent="0">
@@ -5663,45 +5700,85 @@
             </a:pPr>
             <a:r>
               <a:rPr lang="en-US" dirty="0"/>
-              <a:t>AMQP v1.0</a:t>
-            </a:r>
+              <a:t>	C++</a:t>
+            </a:r>
+            <a:r>
+              <a:rPr lang="zh-CN" altLang="en-US" dirty="0"/>
+              <a:t>；</a:t>
+            </a:r>
+            <a:endParaRPr lang="en-US" altLang="zh-CN" dirty="0"/>
           </a:p>
           <a:p>
             <a:pPr marL="0" indent="0">
               <a:buNone/>
             </a:pPr>
             <a:r>
-              <a:rPr lang="en-US" dirty="0">
-                <a:hlinkClick r:id="rId4"/>
-              </a:rPr>
-              <a:t>https://www.oasis-open.org/committees/tc_home.php?wg_abbrev=amqp</a:t>
-            </a:r>
-            <a:endParaRPr lang="en-US" dirty="0"/>
-          </a:p>
-          <a:p>
-            <a:r>
               <a:rPr lang="en-US" dirty="0"/>
-              <a:t>MQTT v3.1</a:t>
-            </a:r>
+              <a:t>	C#</a:t>
+            </a:r>
+            <a:r>
+              <a:rPr lang="zh-CN" altLang="en-US" dirty="0"/>
+              <a:t>；</a:t>
+            </a:r>
+            <a:endParaRPr lang="en-US" altLang="zh-CN" dirty="0"/>
           </a:p>
           <a:p>
             <a:pPr marL="0" indent="0">
               <a:buNone/>
             </a:pPr>
             <a:r>
-              <a:rPr lang="en-US" dirty="0">
-                <a:hlinkClick r:id="rId5"/>
-              </a:rPr>
-              <a:t>https://github.com/mqtt/mqtt.github.io/wiki</a:t>
-            </a:r>
-            <a:endParaRPr lang="en-US" dirty="0"/>
+              <a:rPr lang="en-US" dirty="0"/>
+              <a:t>	Ruby</a:t>
+            </a:r>
+            <a:r>
+              <a:rPr lang="zh-CN" altLang="en-US" dirty="0"/>
+              <a:t>；</a:t>
+            </a:r>
+            <a:endParaRPr lang="en-US" altLang="zh-CN" dirty="0"/>
+          </a:p>
+          <a:p>
+            <a:pPr marL="0" indent="0">
+              <a:buNone/>
+            </a:pPr>
+            <a:r>
+              <a:rPr lang="en-US" dirty="0"/>
+              <a:t>	Perl</a:t>
+            </a:r>
+            <a:r>
+              <a:rPr lang="zh-CN" altLang="en-US" dirty="0"/>
+              <a:t>；</a:t>
+            </a:r>
+            <a:endParaRPr lang="en-US" altLang="zh-CN" dirty="0"/>
+          </a:p>
+          <a:p>
+            <a:pPr marL="0" indent="0">
+              <a:buNone/>
+            </a:pPr>
+            <a:r>
+              <a:rPr lang="en-US" dirty="0"/>
+              <a:t>	Python</a:t>
+            </a:r>
+            <a:r>
+              <a:rPr lang="zh-CN" altLang="en-US" dirty="0"/>
+              <a:t>；</a:t>
+            </a:r>
+            <a:endParaRPr lang="en-US" altLang="zh-CN" dirty="0"/>
+          </a:p>
+          <a:p>
+            <a:pPr marL="0" indent="0">
+              <a:buNone/>
+            </a:pPr>
+            <a:r>
+              <a:rPr lang="en-US" dirty="0"/>
+              <a:t>	PHP</a:t>
+            </a:r>
           </a:p>
         </p:txBody>
       </p:sp>
     </p:spTree>
     <p:extLst>
       <p:ext uri="{BB962C8B-B14F-4D97-AF65-F5344CB8AC3E}">
-        <p14:creationId xmlns:p14="http://schemas.microsoft.com/office/powerpoint/2010/main" val="3518335614"/>
+        <p14:creationId xmlns:p14="http://schemas.microsoft.com/office/powerpoint/2010/main" val="34175470"/>
       </p:ext>
     </p:extLst>
   </p:cSld>
@@ -5733,7 +5810,7 @@
           <p:cNvPr id="2" name="Title 1">
             <a:extLst>
               <a:ext uri="{FF2B5EF4-FFF2-40B4-BE49-F238E27FC236}">
-                <a16:creationId xmlns:a16="http://schemas.microsoft.com/office/drawing/2014/main" id="{F39CD034-E284-4634-8C05-3FB1FB27287F}"/>
+                <a16:creationId xmlns:a16="http://schemas.microsoft.com/office/drawing/2014/main" id="{8F8D12F9-5B6D-4B0C-898D-738ECD297B03}"/>
               </a:ext>
             </a:extLst>
           </p:cNvPr>
@@ -5751,7 +5828,7 @@
           <a:p>
             <a:r>
               <a:rPr lang="zh-CN" altLang="en-US" dirty="0"/>
-              <a:t>消息的队列的用途</a:t>
+              <a:t>支持的协议</a:t>
             </a:r>
             <a:endParaRPr lang="en-US" dirty="0"/>
           </a:p>
@@ -5762,7 +5839,7 @@
           <p:cNvPr id="3" name="Content Placeholder 2">
             <a:extLst>
               <a:ext uri="{FF2B5EF4-FFF2-40B4-BE49-F238E27FC236}">
-                <a16:creationId xmlns:a16="http://schemas.microsoft.com/office/drawing/2014/main" id="{A8AC5059-8E6C-4473-B4C9-77DCF981E396}"/>
+                <a16:creationId xmlns:a16="http://schemas.microsoft.com/office/drawing/2014/main" id="{E7FEFE8E-7474-4A5E-B400-ADF16E089B48}"/>
               </a:ext>
             </a:extLst>
           </p:cNvPr>
@@ -5775,34 +5852,91 @@
         </p:nvSpPr>
         <p:spPr/>
         <p:txBody>
-          <a:bodyPr/>
-          <a:lstStyle/>
-          <a:p>
-            <a:r>
-              <a:rPr lang="zh-CN" altLang="en-US" dirty="0"/>
-              <a:t>模块间解耦</a:t>
-            </a:r>
-            <a:endParaRPr lang="en-US" altLang="zh-CN" dirty="0"/>
-          </a:p>
-          <a:p>
-            <a:r>
-              <a:rPr lang="zh-CN" altLang="en-US" dirty="0"/>
-              <a:t>异步调用（异步</a:t>
+          <a:bodyPr>
+            <a:normAutofit lnSpcReduction="10000"/>
+          </a:bodyPr>
+          <a:lstStyle/>
+          <a:p>
+            <a:r>
+              <a:rPr lang="en-US" dirty="0" err="1"/>
+              <a:t>O</a:t>
+            </a:r>
+            <a:r>
+              <a:rPr lang="en-US" altLang="zh-CN" dirty="0" err="1"/>
+              <a:t>penWire</a:t>
             </a:r>
             <a:r>
               <a:rPr lang="en-US" altLang="zh-CN" dirty="0"/>
-              <a:t>RPC</a:t>
-            </a:r>
-            <a:r>
-              <a:rPr lang="zh-CN" altLang="en-US" dirty="0"/>
-              <a:t>）</a:t>
-            </a:r>
-            <a:endParaRPr lang="en-US" altLang="zh-CN" dirty="0"/>
-          </a:p>
-          <a:p>
-            <a:r>
-              <a:rPr lang="zh-CN" altLang="en-US" dirty="0"/>
-              <a:t>降低并发访问数量突然增大对服务端的压力（削峰）</a:t>
+              <a:t> v2</a:t>
+            </a:r>
+            <a:endParaRPr lang="en-US" dirty="0"/>
+          </a:p>
+          <a:p>
+            <a:pPr marL="0" indent="0">
+              <a:buNone/>
+            </a:pPr>
+            <a:r>
+              <a:rPr lang="en-US" dirty="0">
+                <a:hlinkClick r:id="rId2"/>
+              </a:rPr>
+              <a:t>http://activemq.apache.org/openwire-version-2-specification</a:t>
+            </a:r>
+            <a:endParaRPr lang="en-US" dirty="0"/>
+          </a:p>
+          <a:p>
+            <a:r>
+              <a:rPr lang="en-US" dirty="0"/>
+              <a:t>Stomp v1.2</a:t>
+            </a:r>
+          </a:p>
+          <a:p>
+            <a:pPr marL="0" indent="0">
+              <a:buNone/>
+            </a:pPr>
+            <a:r>
+              <a:rPr lang="en-US" dirty="0">
+                <a:hlinkClick r:id="rId3"/>
+              </a:rPr>
+              <a:t>http://stomp.github.io/stomp-specification-1.2.html</a:t>
+            </a:r>
+            <a:endParaRPr lang="en-US" dirty="0"/>
+          </a:p>
+          <a:p>
+            <a:pPr marL="0" indent="0">
+              <a:buNone/>
+            </a:pPr>
+            <a:r>
+              <a:rPr lang="en-US" dirty="0"/>
+              <a:t>AMQP v1.0</a:t>
+            </a:r>
+          </a:p>
+          <a:p>
+            <a:pPr marL="0" indent="0">
+              <a:buNone/>
+            </a:pPr>
+            <a:r>
+              <a:rPr lang="en-US" dirty="0">
+                <a:hlinkClick r:id="rId4"/>
+              </a:rPr>
+              <a:t>https://www.oasis-open.org/committees/tc_home.php?wg_abbrev=amqp</a:t>
+            </a:r>
+            <a:endParaRPr lang="en-US" dirty="0"/>
+          </a:p>
+          <a:p>
+            <a:r>
+              <a:rPr lang="en-US" dirty="0"/>
+              <a:t>MQTT v3.1</a:t>
+            </a:r>
+          </a:p>
+          <a:p>
+            <a:pPr marL="0" indent="0">
+              <a:buNone/>
+            </a:pPr>
+            <a:r>
+              <a:rPr lang="en-US" dirty="0">
+                <a:hlinkClick r:id="rId5"/>
+              </a:rPr>
+              <a:t>https://github.com/mqtt/mqtt.github.io/wiki</a:t>
             </a:r>
             <a:endParaRPr lang="en-US" dirty="0"/>
           </a:p>
@@ -5811,7 +5945,7 @@
     </p:spTree>
     <p:extLst>
       <p:ext uri="{BB962C8B-B14F-4D97-AF65-F5344CB8AC3E}">
-        <p14:creationId xmlns:p14="http://schemas.microsoft.com/office/powerpoint/2010/main" val="59133895"/>
+        <p14:creationId xmlns:p14="http://schemas.microsoft.com/office/powerpoint/2010/main" val="3518335614"/>
       </p:ext>
     </p:extLst>
   </p:cSld>
@@ -5843,7 +5977,7 @@
           <p:cNvPr id="2" name="Title 1">
             <a:extLst>
               <a:ext uri="{FF2B5EF4-FFF2-40B4-BE49-F238E27FC236}">
-                <a16:creationId xmlns:a16="http://schemas.microsoft.com/office/drawing/2014/main" id="{3C4A74B8-8645-4995-9F1A-919F5BADC5EA}"/>
+                <a16:creationId xmlns:a16="http://schemas.microsoft.com/office/drawing/2014/main" id="{F39CD034-E284-4634-8C05-3FB1FB27287F}"/>
               </a:ext>
             </a:extLst>
           </p:cNvPr>
@@ -5861,7 +5995,7 @@
           <a:p>
             <a:r>
               <a:rPr lang="zh-CN" altLang="en-US" dirty="0"/>
-              <a:t>设计模式</a:t>
+              <a:t>消息的队列的用途</a:t>
             </a:r>
             <a:endParaRPr lang="en-US" dirty="0"/>
           </a:p>
@@ -5872,7 +6006,7 @@
           <p:cNvPr id="3" name="Content Placeholder 2">
             <a:extLst>
               <a:ext uri="{FF2B5EF4-FFF2-40B4-BE49-F238E27FC236}">
-                <a16:creationId xmlns:a16="http://schemas.microsoft.com/office/drawing/2014/main" id="{7B3994A0-0206-4C94-BD6D-5E92859EE7FB}"/>
+                <a16:creationId xmlns:a16="http://schemas.microsoft.com/office/drawing/2014/main" id="{A8AC5059-8E6C-4473-B4C9-77DCF981E396}"/>
               </a:ext>
             </a:extLst>
           </p:cNvPr>
@@ -5889,58 +6023,31 @@
           <a:lstStyle/>
           <a:p>
             <a:r>
-              <a:rPr lang="en-US" dirty="0"/>
-              <a:t>Point to Point </a:t>
-            </a:r>
-            <a:r>
               <a:rPr lang="zh-CN" altLang="en-US" dirty="0"/>
-              <a:t>生产者</a:t>
+              <a:t>模块间解耦</a:t>
+            </a:r>
+            <a:endParaRPr lang="en-US" altLang="zh-CN" dirty="0"/>
+          </a:p>
+          <a:p>
+            <a:r>
+              <a:rPr lang="zh-CN" altLang="en-US" dirty="0"/>
+              <a:t>异步调用（异步</a:t>
             </a:r>
             <a:r>
               <a:rPr lang="en-US" altLang="zh-CN" dirty="0"/>
-              <a:t>-</a:t>
+              <a:t>RPC</a:t>
             </a:r>
             <a:r>
               <a:rPr lang="zh-CN" altLang="en-US" dirty="0"/>
-              <a:t>消费者模式</a:t>
+              <a:t>）</a:t>
             </a:r>
             <a:endParaRPr lang="en-US" altLang="zh-CN" dirty="0"/>
           </a:p>
           <a:p>
-            <a:endParaRPr lang="en-US" dirty="0"/>
-          </a:p>
-          <a:p>
-            <a:r>
-              <a:rPr lang="en-US" dirty="0"/>
-              <a:t>Multicast </a:t>
-            </a:r>
             <a:r>
               <a:rPr lang="zh-CN" altLang="en-US" dirty="0"/>
-              <a:t>发布</a:t>
-            </a:r>
-            <a:r>
-              <a:rPr lang="en-US" altLang="zh-CN" dirty="0"/>
-              <a:t>-</a:t>
-            </a:r>
-            <a:r>
-              <a:rPr lang="zh-CN" altLang="en-US" dirty="0"/>
-              <a:t>订阅模式</a:t>
-            </a:r>
-            <a:endParaRPr lang="en-US" dirty="0"/>
-          </a:p>
-          <a:p>
-            <a:endParaRPr lang="en-US" dirty="0"/>
-          </a:p>
-          <a:p>
-            <a:endParaRPr lang="en-US" dirty="0"/>
-          </a:p>
-          <a:p>
-            <a:endParaRPr lang="en-US" dirty="0"/>
-          </a:p>
-          <a:p>
-            <a:endParaRPr lang="en-US" dirty="0"/>
-          </a:p>
-          <a:p>
+              <a:t>降低并发访问数量突然增大对服务端的压力（削峰）</a:t>
+            </a:r>
             <a:endParaRPr lang="en-US" dirty="0"/>
           </a:p>
         </p:txBody>
@@ -5948,7 +6055,7 @@
     </p:spTree>
     <p:extLst>
       <p:ext uri="{BB962C8B-B14F-4D97-AF65-F5344CB8AC3E}">
-        <p14:creationId xmlns:p14="http://schemas.microsoft.com/office/powerpoint/2010/main" val="282935311"/>
+        <p14:creationId xmlns:p14="http://schemas.microsoft.com/office/powerpoint/2010/main" val="59133895"/>
       </p:ext>
     </p:extLst>
   </p:cSld>
@@ -5961,14 +6068,6 @@
 <file path=ppt/slides/slide7.xml><?xml version="1.0" encoding="utf-8"?>
 <p:sld xmlns:a="http://schemas.openxmlformats.org/drawingml/2006/main" xmlns:r="http://schemas.openxmlformats.org/officeDocument/2006/relationships" xmlns:p="http://schemas.openxmlformats.org/presentationml/2006/main">
   <p:cSld>
-    <p:bg>
-      <p:bgPr>
-        <a:solidFill>
-          <a:schemeClr val="bg1"/>
-        </a:solidFill>
-        <a:effectLst/>
-      </p:bgPr>
-    </p:bg>
     <p:spTree>
       <p:nvGrpSpPr>
         <p:cNvPr id="1" name=""/>
@@ -5983,41 +6082,117 @@
           <a:chExt cx="0" cy="0"/>
         </a:xfrm>
       </p:grpSpPr>
-      <p:pic>
-        <p:nvPicPr>
-          <p:cNvPr id="4" name="Content Placeholder 3" descr="A screenshot of a computer screen&#10;&#10;Description automatically generated">
-            <a:extLst>
-              <a:ext uri="{FF2B5EF4-FFF2-40B4-BE49-F238E27FC236}">
-                <a16:creationId xmlns:a16="http://schemas.microsoft.com/office/drawing/2014/main" id="{548C2A39-B1CF-42EC-AF67-5609CB67E1F5}"/>
-              </a:ext>
-            </a:extLst>
-          </p:cNvPr>
-          <p:cNvPicPr>
-            <a:picLocks noGrp="1" noChangeAspect="1"/>
-          </p:cNvPicPr>
+      <p:sp>
+        <p:nvSpPr>
+          <p:cNvPr id="2" name="Title 1">
+            <a:extLst>
+              <a:ext uri="{FF2B5EF4-FFF2-40B4-BE49-F238E27FC236}">
+                <a16:creationId xmlns:a16="http://schemas.microsoft.com/office/drawing/2014/main" id="{3C4A74B8-8645-4995-9F1A-919F5BADC5EA}"/>
+              </a:ext>
+            </a:extLst>
+          </p:cNvPr>
+          <p:cNvSpPr>
+            <a:spLocks noGrp="1"/>
+          </p:cNvSpPr>
+          <p:nvPr>
+            <p:ph type="title"/>
+          </p:nvPr>
+        </p:nvSpPr>
+        <p:spPr/>
+        <p:txBody>
+          <a:bodyPr/>
+          <a:lstStyle/>
+          <a:p>
+            <a:r>
+              <a:rPr lang="zh-CN" altLang="en-US" dirty="0"/>
+              <a:t>使用模式</a:t>
+            </a:r>
+            <a:endParaRPr lang="en-US" dirty="0"/>
+          </a:p>
+        </p:txBody>
+      </p:sp>
+      <p:sp>
+        <p:nvSpPr>
+          <p:cNvPr id="3" name="Content Placeholder 2">
+            <a:extLst>
+              <a:ext uri="{FF2B5EF4-FFF2-40B4-BE49-F238E27FC236}">
+                <a16:creationId xmlns:a16="http://schemas.microsoft.com/office/drawing/2014/main" id="{7B3994A0-0206-4C94-BD6D-5E92859EE7FB}"/>
+              </a:ext>
+            </a:extLst>
+          </p:cNvPr>
+          <p:cNvSpPr>
+            <a:spLocks noGrp="1"/>
+          </p:cNvSpPr>
           <p:nvPr>
             <p:ph idx="1"/>
           </p:nvPr>
-        </p:nvPicPr>
-        <p:blipFill rotWithShape="1">
-          <a:blip r:embed="rId2"/>
-          <a:srcRect l="13333" r="-1" b="-1"/>
-          <a:stretch/>
-        </p:blipFill>
-        <p:spPr>
-          <a:xfrm>
-            <a:off x="1143911" y="643466"/>
-            <a:ext cx="9904177" cy="5571067"/>
-          </a:xfrm>
-          <a:prstGeom prst="rect">
-            <a:avLst/>
-          </a:prstGeom>
-        </p:spPr>
-      </p:pic>
+        </p:nvSpPr>
+        <p:spPr/>
+        <p:txBody>
+          <a:bodyPr/>
+          <a:lstStyle/>
+          <a:p>
+            <a:r>
+              <a:rPr lang="en-US" dirty="0"/>
+              <a:t>Point to Point </a:t>
+            </a:r>
+            <a:r>
+              <a:rPr lang="zh-CN" altLang="en-US" dirty="0"/>
+              <a:t>生产者</a:t>
+            </a:r>
+            <a:r>
+              <a:rPr lang="en-US" altLang="zh-CN" dirty="0"/>
+              <a:t>-</a:t>
+            </a:r>
+            <a:r>
+              <a:rPr lang="zh-CN" altLang="en-US" dirty="0"/>
+              <a:t>消费者模式</a:t>
+            </a:r>
+            <a:endParaRPr lang="en-US" altLang="zh-CN" dirty="0"/>
+          </a:p>
+          <a:p>
+            <a:endParaRPr lang="en-US" dirty="0"/>
+          </a:p>
+          <a:p>
+            <a:r>
+              <a:rPr lang="en-US" dirty="0"/>
+              <a:t>Multicast </a:t>
+            </a:r>
+            <a:r>
+              <a:rPr lang="zh-CN" altLang="en-US" dirty="0"/>
+              <a:t>发布</a:t>
+            </a:r>
+            <a:r>
+              <a:rPr lang="en-US" altLang="zh-CN" dirty="0"/>
+              <a:t>-</a:t>
+            </a:r>
+            <a:r>
+              <a:rPr lang="zh-CN" altLang="en-US" dirty="0"/>
+              <a:t>订阅模式</a:t>
+            </a:r>
+            <a:endParaRPr lang="en-US" dirty="0"/>
+          </a:p>
+          <a:p>
+            <a:endParaRPr lang="en-US" dirty="0"/>
+          </a:p>
+          <a:p>
+            <a:endParaRPr lang="en-US" dirty="0"/>
+          </a:p>
+          <a:p>
+            <a:endParaRPr lang="en-US" dirty="0"/>
+          </a:p>
+          <a:p>
+            <a:endParaRPr lang="en-US" dirty="0"/>
+          </a:p>
+          <a:p>
+            <a:endParaRPr lang="en-US" dirty="0"/>
+          </a:p>
+        </p:txBody>
+      </p:sp>
     </p:spTree>
     <p:extLst>
       <p:ext uri="{BB962C8B-B14F-4D97-AF65-F5344CB8AC3E}">
-        <p14:creationId xmlns:p14="http://schemas.microsoft.com/office/powerpoint/2010/main" val="3453776452"/>
+        <p14:creationId xmlns:p14="http://schemas.microsoft.com/office/powerpoint/2010/main" val="282935311"/>
       </p:ext>
     </p:extLst>
   </p:cSld>
@@ -6054,10 +6229,10 @@
       </p:grpSpPr>
       <p:pic>
         <p:nvPicPr>
-          <p:cNvPr id="4" name="Content Placeholder 3" descr="A screenshot of a social media post&#10;&#10;Description automatically generated">
-            <a:extLst>
-              <a:ext uri="{FF2B5EF4-FFF2-40B4-BE49-F238E27FC236}">
-                <a16:creationId xmlns:a16="http://schemas.microsoft.com/office/drawing/2014/main" id="{9B266978-41F6-46EA-B0AA-DFE353A77F43}"/>
+          <p:cNvPr id="4" name="Content Placeholder 3" descr="A screenshot of a computer screen&#10;&#10;Description automatically generated">
+            <a:extLst>
+              <a:ext uri="{FF2B5EF4-FFF2-40B4-BE49-F238E27FC236}">
+                <a16:creationId xmlns:a16="http://schemas.microsoft.com/office/drawing/2014/main" id="{548C2A39-B1CF-42EC-AF67-5609CB67E1F5}"/>
               </a:ext>
             </a:extLst>
           </p:cNvPr>
@@ -6070,13 +6245,13 @@
         </p:nvPicPr>
         <p:blipFill rotWithShape="1">
           <a:blip r:embed="rId2"/>
-          <a:srcRect l="3575" r="9758" b="-1"/>
+          <a:srcRect l="13333" r="-1" b="-1"/>
           <a:stretch/>
         </p:blipFill>
         <p:spPr>
           <a:xfrm>
-            <a:off x="1143968" y="643466"/>
-            <a:ext cx="9904063" cy="5571067"/>
+            <a:off x="1143911" y="643466"/>
+            <a:ext cx="9904177" cy="5571067"/>
           </a:xfrm>
           <a:prstGeom prst="rect">
             <a:avLst/>
@@ -6086,7 +6261,7 @@
     </p:spTree>
     <p:extLst>
       <p:ext uri="{BB962C8B-B14F-4D97-AF65-F5344CB8AC3E}">
-        <p14:creationId xmlns:p14="http://schemas.microsoft.com/office/powerpoint/2010/main" val="3192662977"/>
+        <p14:creationId xmlns:p14="http://schemas.microsoft.com/office/powerpoint/2010/main" val="3453776452"/>
       </p:ext>
     </p:extLst>
   </p:cSld>
@@ -6123,10 +6298,10 @@
       </p:grpSpPr>
       <p:pic>
         <p:nvPicPr>
-          <p:cNvPr id="4" name="Content Placeholder 3">
-            <a:extLst>
-              <a:ext uri="{FF2B5EF4-FFF2-40B4-BE49-F238E27FC236}">
-                <a16:creationId xmlns:a16="http://schemas.microsoft.com/office/drawing/2014/main" id="{2939187E-9F4B-4F17-ACA7-31C7978B3E6D}"/>
+          <p:cNvPr id="4" name="Content Placeholder 3" descr="A screenshot of a social media post&#10;&#10;Description automatically generated">
+            <a:extLst>
+              <a:ext uri="{FF2B5EF4-FFF2-40B4-BE49-F238E27FC236}">
+                <a16:creationId xmlns:a16="http://schemas.microsoft.com/office/drawing/2014/main" id="{9B266978-41F6-46EA-B0AA-DFE353A77F43}"/>
               </a:ext>
             </a:extLst>
           </p:cNvPr>
@@ -6139,7 +6314,7 @@
         </p:nvPicPr>
         <p:blipFill rotWithShape="1">
           <a:blip r:embed="rId2"/>
-          <a:srcRect l="5873" r="7460" b="-1"/>
+          <a:srcRect l="3575" r="9758" b="-1"/>
           <a:stretch/>
         </p:blipFill>
         <p:spPr>
@@ -6155,7 +6330,7 @@
     </p:spTree>
     <p:extLst>
       <p:ext uri="{BB962C8B-B14F-4D97-AF65-F5344CB8AC3E}">
-        <p14:creationId xmlns:p14="http://schemas.microsoft.com/office/powerpoint/2010/main" val="3447994719"/>
+        <p14:creationId xmlns:p14="http://schemas.microsoft.com/office/powerpoint/2010/main" val="3192662977"/>
       </p:ext>
     </p:extLst>
   </p:cSld>
